--- a/ServiceDiagram.pptx
+++ b/ServiceDiagram.pptx
@@ -288,7 +288,7 @@
           <a:p>
             <a:fld id="{6197D768-1FD3-AB4F-A592-02709D798C15}" type="datetimeFigureOut">
               <a:rPr lang="en-US" smtClean="0"/>
-              <a:t>7/14/15</a:t>
+              <a:t>1/28/16</a:t>
             </a:fld>
             <a:endParaRPr lang="en-US"/>
           </a:p>
@@ -458,7 +458,7 @@
           <a:p>
             <a:fld id="{6197D768-1FD3-AB4F-A592-02709D798C15}" type="datetimeFigureOut">
               <a:rPr lang="en-US" smtClean="0"/>
-              <a:t>7/14/15</a:t>
+              <a:t>1/28/16</a:t>
             </a:fld>
             <a:endParaRPr lang="en-US"/>
           </a:p>
@@ -638,7 +638,7 @@
           <a:p>
             <a:fld id="{6197D768-1FD3-AB4F-A592-02709D798C15}" type="datetimeFigureOut">
               <a:rPr lang="en-US" smtClean="0"/>
-              <a:t>7/14/15</a:t>
+              <a:t>1/28/16</a:t>
             </a:fld>
             <a:endParaRPr lang="en-US"/>
           </a:p>
@@ -808,7 +808,7 @@
           <a:p>
             <a:fld id="{6197D768-1FD3-AB4F-A592-02709D798C15}" type="datetimeFigureOut">
               <a:rPr lang="en-US" smtClean="0"/>
-              <a:t>7/14/15</a:t>
+              <a:t>1/28/16</a:t>
             </a:fld>
             <a:endParaRPr lang="en-US"/>
           </a:p>
@@ -1054,7 +1054,7 @@
           <a:p>
             <a:fld id="{6197D768-1FD3-AB4F-A592-02709D798C15}" type="datetimeFigureOut">
               <a:rPr lang="en-US" smtClean="0"/>
-              <a:t>7/14/15</a:t>
+              <a:t>1/28/16</a:t>
             </a:fld>
             <a:endParaRPr lang="en-US"/>
           </a:p>
@@ -1342,7 +1342,7 @@
           <a:p>
             <a:fld id="{6197D768-1FD3-AB4F-A592-02709D798C15}" type="datetimeFigureOut">
               <a:rPr lang="en-US" smtClean="0"/>
-              <a:t>7/14/15</a:t>
+              <a:t>1/28/16</a:t>
             </a:fld>
             <a:endParaRPr lang="en-US"/>
           </a:p>
@@ -1764,7 +1764,7 @@
           <a:p>
             <a:fld id="{6197D768-1FD3-AB4F-A592-02709D798C15}" type="datetimeFigureOut">
               <a:rPr lang="en-US" smtClean="0"/>
-              <a:t>7/14/15</a:t>
+              <a:t>1/28/16</a:t>
             </a:fld>
             <a:endParaRPr lang="en-US"/>
           </a:p>
@@ -1882,7 +1882,7 @@
           <a:p>
             <a:fld id="{6197D768-1FD3-AB4F-A592-02709D798C15}" type="datetimeFigureOut">
               <a:rPr lang="en-US" smtClean="0"/>
-              <a:t>7/14/15</a:t>
+              <a:t>1/28/16</a:t>
             </a:fld>
             <a:endParaRPr lang="en-US"/>
           </a:p>
@@ -1977,7 +1977,7 @@
           <a:p>
             <a:fld id="{6197D768-1FD3-AB4F-A592-02709D798C15}" type="datetimeFigureOut">
               <a:rPr lang="en-US" smtClean="0"/>
-              <a:t>7/14/15</a:t>
+              <a:t>1/28/16</a:t>
             </a:fld>
             <a:endParaRPr lang="en-US"/>
           </a:p>
@@ -2254,7 +2254,7 @@
           <a:p>
             <a:fld id="{6197D768-1FD3-AB4F-A592-02709D798C15}" type="datetimeFigureOut">
               <a:rPr lang="en-US" smtClean="0"/>
-              <a:t>7/14/15</a:t>
+              <a:t>1/28/16</a:t>
             </a:fld>
             <a:endParaRPr lang="en-US"/>
           </a:p>
@@ -2507,7 +2507,7 @@
           <a:p>
             <a:fld id="{6197D768-1FD3-AB4F-A592-02709D798C15}" type="datetimeFigureOut">
               <a:rPr lang="en-US" smtClean="0"/>
-              <a:t>7/14/15</a:t>
+              <a:t>1/28/16</a:t>
             </a:fld>
             <a:endParaRPr lang="en-US"/>
           </a:p>
@@ -2720,7 +2720,7 @@
           <a:p>
             <a:fld id="{6197D768-1FD3-AB4F-A592-02709D798C15}" type="datetimeFigureOut">
               <a:rPr lang="en-US" smtClean="0"/>
-              <a:t>7/14/15</a:t>
+              <a:t>1/28/16</a:t>
             </a:fld>
             <a:endParaRPr lang="en-US"/>
           </a:p>
@@ -4142,6 +4142,90 @@
               <a:t>Java Sax XML Parser Exceptions</a:t>
             </a:r>
             <a:endParaRPr lang="en-US" sz="1000" dirty="0"/>
+          </a:p>
+        </p:txBody>
+      </p:sp>
+      <p:sp>
+        <p:nvSpPr>
+          <p:cNvPr id="2" name="Oval Callout 1"/>
+          <p:cNvSpPr/>
+          <p:nvPr/>
+        </p:nvSpPr>
+        <p:spPr>
+          <a:xfrm flipH="1">
+            <a:off x="444450" y="1930558"/>
+            <a:ext cx="1734496" cy="975614"/>
+          </a:xfrm>
+          <a:prstGeom prst="wedgeEllipseCallout">
+            <a:avLst/>
+          </a:prstGeom>
+        </p:spPr>
+        <p:style>
+          <a:lnRef idx="1">
+            <a:schemeClr val="accent2"/>
+          </a:lnRef>
+          <a:fillRef idx="3">
+            <a:schemeClr val="accent2"/>
+          </a:fillRef>
+          <a:effectRef idx="2">
+            <a:schemeClr val="accent2"/>
+          </a:effectRef>
+          <a:fontRef idx="minor">
+            <a:schemeClr val="lt1"/>
+          </a:fontRef>
+        </p:style>
+        <p:txBody>
+          <a:bodyPr rtlCol="0" anchor="ctr"/>
+          <a:lstStyle/>
+          <a:p>
+            <a:pPr algn="ctr"/>
+            <a:r>
+              <a:rPr lang="en-US" dirty="0" smtClean="0"/>
+              <a:t>“Syntactic” Does this data exist?</a:t>
+            </a:r>
+            <a:endParaRPr lang="en-US" dirty="0"/>
+          </a:p>
+        </p:txBody>
+      </p:sp>
+      <p:sp>
+        <p:nvSpPr>
+          <p:cNvPr id="31" name="Oval Callout 30"/>
+          <p:cNvSpPr/>
+          <p:nvPr/>
+        </p:nvSpPr>
+        <p:spPr>
+          <a:xfrm>
+            <a:off x="6040164" y="1930558"/>
+            <a:ext cx="1994053" cy="975614"/>
+          </a:xfrm>
+          <a:prstGeom prst="wedgeEllipseCallout">
+            <a:avLst/>
+          </a:prstGeom>
+        </p:spPr>
+        <p:style>
+          <a:lnRef idx="1">
+            <a:schemeClr val="accent2"/>
+          </a:lnRef>
+          <a:fillRef idx="3">
+            <a:schemeClr val="accent2"/>
+          </a:fillRef>
+          <a:effectRef idx="2">
+            <a:schemeClr val="accent2"/>
+          </a:effectRef>
+          <a:fontRef idx="minor">
+            <a:schemeClr val="lt1"/>
+          </a:fontRef>
+        </p:style>
+        <p:txBody>
+          <a:bodyPr rtlCol="0" anchor="ctr"/>
+          <a:lstStyle/>
+          <a:p>
+            <a:pPr algn="ctr"/>
+            <a:r>
+              <a:rPr lang="en-US" dirty="0" smtClean="0"/>
+              <a:t>“Semantic” Is this data correct?</a:t>
+            </a:r>
+            <a:endParaRPr lang="en-US" dirty="0"/>
           </a:p>
         </p:txBody>
       </p:sp>
